--- a/Poster/A Study of Cryptography CS4182 Poster.pptx
+++ b/Poster/A Study of Cryptography CS4182 Poster.pptx
@@ -1396,8 +1396,8 @@
         </p:nvSpPr>
         <p:spPr bwMode="auto">
           <a:xfrm>
-            <a:off x="797913" y="5547171"/>
-            <a:ext cx="9861550" cy="584582"/>
+            <a:off x="797913" y="5547169"/>
+            <a:ext cx="9861550" cy="540000"/>
           </a:xfrm>
           <a:prstGeom prst="rect">
             <a:avLst/>
@@ -1422,7 +1422,7 @@
               </a:spcBef>
             </a:pPr>
             <a:r>
-              <a:rPr lang="en-US" altLang="en-US" sz="3200" b="1" dirty="0">
+              <a:rPr lang="en-US" altLang="en-US" sz="2600" b="1" i="1" dirty="0">
                 <a:solidFill>
                   <a:srgbClr val="F8F8F8"/>
                 </a:solidFill>
@@ -1697,8 +1697,8 @@
         </p:nvSpPr>
         <p:spPr bwMode="auto">
           <a:xfrm>
-            <a:off x="32904915" y="5547171"/>
-            <a:ext cx="9861550" cy="579438"/>
+            <a:off x="32904915" y="5547169"/>
+            <a:ext cx="9861550" cy="540000"/>
           </a:xfrm>
           <a:prstGeom prst="rect">
             <a:avLst/>
@@ -1723,7 +1723,7 @@
               </a:spcBef>
             </a:pPr>
             <a:r>
-              <a:rPr lang="en-US" altLang="en-US" sz="3200" b="1" dirty="0">
+              <a:rPr lang="en-IE" altLang="en-US" sz="2600" b="1" i="1" dirty="0">
                 <a:solidFill>
                   <a:srgbClr val="F8F8F8"/>
                 </a:solidFill>
@@ -1731,8 +1731,16 @@
                 <a:ea typeface="Arimo" panose="020B0604020202020204" pitchFamily="34" charset="0"/>
                 <a:cs typeface="Arimo" panose="020B0604020202020204" pitchFamily="34" charset="0"/>
               </a:rPr>
-              <a:t>Modern Applications of Cryptography</a:t>
+              <a:t>The importance of cryptography in Modern computer science</a:t>
             </a:r>
+            <a:endParaRPr lang="en-US" altLang="en-US" sz="2600" b="1" i="1" dirty="0">
+              <a:solidFill>
+                <a:srgbClr val="F8F8F8"/>
+              </a:solidFill>
+              <a:latin typeface="Arimo" panose="020B0604020202020204" pitchFamily="34" charset="0"/>
+              <a:ea typeface="Arimo" panose="020B0604020202020204" pitchFamily="34" charset="0"/>
+              <a:cs typeface="Arimo" panose="020B0604020202020204" pitchFamily="34" charset="0"/>
+            </a:endParaRPr>
           </a:p>
         </p:txBody>
       </p:sp>
@@ -1753,7 +1761,7 @@
         <p:spPr bwMode="auto">
           <a:xfrm>
             <a:off x="32904915" y="6113909"/>
-            <a:ext cx="9861550" cy="13849945"/>
+            <a:ext cx="9861550" cy="13811473"/>
           </a:xfrm>
           <a:prstGeom prst="rect">
             <a:avLst/>
@@ -1871,196 +1879,87 @@
             </a:lvl9pPr>
           </a:lstStyle>
           <a:p>
-            <a:endParaRPr lang="en-US" altLang="en-US" sz="3000" b="1" dirty="0">
-              <a:latin typeface="Arimo" panose="020B0604020202020204" pitchFamily="34" charset="0"/>
-              <a:ea typeface="Arimo" panose="020B0604020202020204" pitchFamily="34" charset="0"/>
-              <a:cs typeface="Arimo" panose="020B0604020202020204" pitchFamily="34" charset="0"/>
-            </a:endParaRPr>
-          </a:p>
-          <a:p>
-            <a:endParaRPr lang="en-US" altLang="en-US" sz="3000" b="1" dirty="0">
-              <a:latin typeface="Arimo" panose="020B0604020202020204" pitchFamily="34" charset="0"/>
-              <a:ea typeface="Arimo" panose="020B0604020202020204" pitchFamily="34" charset="0"/>
-              <a:cs typeface="Arimo" panose="020B0604020202020204" pitchFamily="34" charset="0"/>
-            </a:endParaRPr>
-          </a:p>
-          <a:p>
-            <a:endParaRPr lang="en-US" altLang="en-US" sz="3000" b="1" dirty="0">
-              <a:latin typeface="Arimo" panose="020B0604020202020204" pitchFamily="34" charset="0"/>
-              <a:ea typeface="Arimo" panose="020B0604020202020204" pitchFamily="34" charset="0"/>
-              <a:cs typeface="Arimo" panose="020B0604020202020204" pitchFamily="34" charset="0"/>
-            </a:endParaRPr>
-          </a:p>
-          <a:p>
-            <a:endParaRPr lang="en-US" altLang="en-US" sz="3000" b="1" dirty="0">
-              <a:latin typeface="Arimo" panose="020B0604020202020204" pitchFamily="34" charset="0"/>
-              <a:ea typeface="Arimo" panose="020B0604020202020204" pitchFamily="34" charset="0"/>
-              <a:cs typeface="Arimo" panose="020B0604020202020204" pitchFamily="34" charset="0"/>
-            </a:endParaRPr>
-          </a:p>
-          <a:p>
-            <a:endParaRPr lang="en-US" altLang="en-US" sz="3000" b="1" dirty="0">
-              <a:latin typeface="Arimo" panose="020B0604020202020204" pitchFamily="34" charset="0"/>
-              <a:ea typeface="Arimo" panose="020B0604020202020204" pitchFamily="34" charset="0"/>
-              <a:cs typeface="Arimo" panose="020B0604020202020204" pitchFamily="34" charset="0"/>
-            </a:endParaRPr>
-          </a:p>
-          <a:p>
-            <a:endParaRPr lang="en-US" altLang="en-US" sz="3000" b="1" dirty="0">
-              <a:latin typeface="Arimo" panose="020B0604020202020204" pitchFamily="34" charset="0"/>
-              <a:ea typeface="Arimo" panose="020B0604020202020204" pitchFamily="34" charset="0"/>
-              <a:cs typeface="Arimo" panose="020B0604020202020204" pitchFamily="34" charset="0"/>
-            </a:endParaRPr>
-          </a:p>
-          <a:p>
-            <a:endParaRPr lang="en-US" altLang="en-US" sz="3000" b="1" dirty="0">
-              <a:latin typeface="Arimo" panose="020B0604020202020204" pitchFamily="34" charset="0"/>
-              <a:ea typeface="Arimo" panose="020B0604020202020204" pitchFamily="34" charset="0"/>
-              <a:cs typeface="Arimo" panose="020B0604020202020204" pitchFamily="34" charset="0"/>
-            </a:endParaRPr>
-          </a:p>
-          <a:p>
-            <a:endParaRPr lang="en-US" altLang="en-US" sz="3000" b="1" dirty="0">
-              <a:latin typeface="Arimo" panose="020B0604020202020204" pitchFamily="34" charset="0"/>
-              <a:ea typeface="Arimo" panose="020B0604020202020204" pitchFamily="34" charset="0"/>
-              <a:cs typeface="Arimo" panose="020B0604020202020204" pitchFamily="34" charset="0"/>
-            </a:endParaRPr>
-          </a:p>
-          <a:p>
-            <a:endParaRPr lang="en-US" altLang="en-US" sz="3000" b="1" dirty="0">
-              <a:latin typeface="Arimo" panose="020B0604020202020204" pitchFamily="34" charset="0"/>
-              <a:ea typeface="Arimo" panose="020B0604020202020204" pitchFamily="34" charset="0"/>
-              <a:cs typeface="Arimo" panose="020B0604020202020204" pitchFamily="34" charset="0"/>
-            </a:endParaRPr>
-          </a:p>
-          <a:p>
-            <a:endParaRPr lang="en-US" altLang="en-US" sz="3000" b="1" dirty="0">
-              <a:latin typeface="Arimo" panose="020B0604020202020204" pitchFamily="34" charset="0"/>
-              <a:ea typeface="Arimo" panose="020B0604020202020204" pitchFamily="34" charset="0"/>
-              <a:cs typeface="Arimo" panose="020B0604020202020204" pitchFamily="34" charset="0"/>
-            </a:endParaRPr>
-          </a:p>
-          <a:p>
-            <a:endParaRPr lang="en-US" altLang="en-US" sz="3000" b="1" dirty="0">
-              <a:latin typeface="Arimo" panose="020B0604020202020204" pitchFamily="34" charset="0"/>
-              <a:ea typeface="Arimo" panose="020B0604020202020204" pitchFamily="34" charset="0"/>
-              <a:cs typeface="Arimo" panose="020B0604020202020204" pitchFamily="34" charset="0"/>
-            </a:endParaRPr>
-          </a:p>
-          <a:p>
-            <a:endParaRPr lang="en-US" altLang="en-US" sz="3000" b="1" dirty="0">
-              <a:latin typeface="Arimo" panose="020B0604020202020204" pitchFamily="34" charset="0"/>
-              <a:ea typeface="Arimo" panose="020B0604020202020204" pitchFamily="34" charset="0"/>
-              <a:cs typeface="Arimo" panose="020B0604020202020204" pitchFamily="34" charset="0"/>
-            </a:endParaRPr>
-          </a:p>
-          <a:p>
-            <a:endParaRPr lang="en-US" altLang="en-US" sz="3000" b="1" dirty="0">
-              <a:latin typeface="Arimo" panose="020B0604020202020204" pitchFamily="34" charset="0"/>
-              <a:ea typeface="Arimo" panose="020B0604020202020204" pitchFamily="34" charset="0"/>
-              <a:cs typeface="Arimo" panose="020B0604020202020204" pitchFamily="34" charset="0"/>
-            </a:endParaRPr>
-          </a:p>
-          <a:p>
-            <a:endParaRPr lang="en-US" altLang="en-US" sz="3000" b="1" dirty="0">
-              <a:latin typeface="Arimo" panose="020B0604020202020204" pitchFamily="34" charset="0"/>
-              <a:ea typeface="Arimo" panose="020B0604020202020204" pitchFamily="34" charset="0"/>
-              <a:cs typeface="Arimo" panose="020B0604020202020204" pitchFamily="34" charset="0"/>
-            </a:endParaRPr>
-          </a:p>
-          <a:p>
-            <a:endParaRPr lang="en-US" altLang="en-US" sz="3000" b="1" dirty="0">
-              <a:latin typeface="Arimo" panose="020B0604020202020204" pitchFamily="34" charset="0"/>
-              <a:ea typeface="Arimo" panose="020B0604020202020204" pitchFamily="34" charset="0"/>
-              <a:cs typeface="Arimo" panose="020B0604020202020204" pitchFamily="34" charset="0"/>
-            </a:endParaRPr>
-          </a:p>
-          <a:p>
-            <a:endParaRPr lang="en-US" altLang="en-US" sz="3000" b="1" dirty="0">
-              <a:latin typeface="Arimo" panose="020B0604020202020204" pitchFamily="34" charset="0"/>
-              <a:ea typeface="Arimo" panose="020B0604020202020204" pitchFamily="34" charset="0"/>
-              <a:cs typeface="Arimo" panose="020B0604020202020204" pitchFamily="34" charset="0"/>
-            </a:endParaRPr>
-          </a:p>
-          <a:p>
-            <a:endParaRPr lang="en-US" altLang="en-US" sz="3000" b="1" dirty="0">
-              <a:latin typeface="Arimo" panose="020B0604020202020204" pitchFamily="34" charset="0"/>
-              <a:ea typeface="Arimo" panose="020B0604020202020204" pitchFamily="34" charset="0"/>
-              <a:cs typeface="Arimo" panose="020B0604020202020204" pitchFamily="34" charset="0"/>
-            </a:endParaRPr>
-          </a:p>
-          <a:p>
-            <a:endParaRPr lang="en-US" altLang="en-US" sz="3000" b="1" dirty="0">
-              <a:latin typeface="Arimo" panose="020B0604020202020204" pitchFamily="34" charset="0"/>
-              <a:ea typeface="Arimo" panose="020B0604020202020204" pitchFamily="34" charset="0"/>
-              <a:cs typeface="Arimo" panose="020B0604020202020204" pitchFamily="34" charset="0"/>
-            </a:endParaRPr>
-          </a:p>
-          <a:p>
-            <a:endParaRPr lang="en-US" altLang="en-US" sz="3000" b="1" dirty="0">
-              <a:latin typeface="Arimo" panose="020B0604020202020204" pitchFamily="34" charset="0"/>
-              <a:ea typeface="Arimo" panose="020B0604020202020204" pitchFamily="34" charset="0"/>
-              <a:cs typeface="Arimo" panose="020B0604020202020204" pitchFamily="34" charset="0"/>
-            </a:endParaRPr>
-          </a:p>
-          <a:p>
-            <a:endParaRPr lang="en-US" altLang="en-US" sz="3000" b="1" dirty="0">
-              <a:latin typeface="Arimo" panose="020B0604020202020204" pitchFamily="34" charset="0"/>
-              <a:ea typeface="Arimo" panose="020B0604020202020204" pitchFamily="34" charset="0"/>
-              <a:cs typeface="Arimo" panose="020B0604020202020204" pitchFamily="34" charset="0"/>
-            </a:endParaRPr>
-          </a:p>
-          <a:p>
-            <a:endParaRPr lang="en-US" altLang="en-US" sz="3000" b="1" dirty="0">
-              <a:latin typeface="Arimo" panose="020B0604020202020204" pitchFamily="34" charset="0"/>
-              <a:ea typeface="Arimo" panose="020B0604020202020204" pitchFamily="34" charset="0"/>
-              <a:cs typeface="Arimo" panose="020B0604020202020204" pitchFamily="34" charset="0"/>
-            </a:endParaRPr>
-          </a:p>
-          <a:p>
-            <a:endParaRPr lang="en-US" altLang="en-US" sz="3000" b="1" dirty="0">
-              <a:latin typeface="Arimo" panose="020B0604020202020204" pitchFamily="34" charset="0"/>
-              <a:ea typeface="Arimo" panose="020B0604020202020204" pitchFamily="34" charset="0"/>
-              <a:cs typeface="Arimo" panose="020B0604020202020204" pitchFamily="34" charset="0"/>
-            </a:endParaRPr>
-          </a:p>
-          <a:p>
-            <a:endParaRPr lang="en-US" altLang="en-US" sz="3000" b="1" dirty="0">
-              <a:latin typeface="Arimo" panose="020B0604020202020204" pitchFamily="34" charset="0"/>
-              <a:ea typeface="Arimo" panose="020B0604020202020204" pitchFamily="34" charset="0"/>
-              <a:cs typeface="Arimo" panose="020B0604020202020204" pitchFamily="34" charset="0"/>
-            </a:endParaRPr>
-          </a:p>
-          <a:p>
-            <a:endParaRPr lang="en-US" altLang="en-US" sz="3000" b="1" dirty="0">
-              <a:latin typeface="Arimo" panose="020B0604020202020204" pitchFamily="34" charset="0"/>
-              <a:ea typeface="Arimo" panose="020B0604020202020204" pitchFamily="34" charset="0"/>
-              <a:cs typeface="Arimo" panose="020B0604020202020204" pitchFamily="34" charset="0"/>
-            </a:endParaRPr>
-          </a:p>
-          <a:p>
-            <a:endParaRPr lang="en-US" altLang="en-US" sz="3000" b="1" dirty="0">
-              <a:latin typeface="Arimo" panose="020B0604020202020204" pitchFamily="34" charset="0"/>
-              <a:ea typeface="Arimo" panose="020B0604020202020204" pitchFamily="34" charset="0"/>
-              <a:cs typeface="Arimo" panose="020B0604020202020204" pitchFamily="34" charset="0"/>
-            </a:endParaRPr>
-          </a:p>
-          <a:p>
-            <a:endParaRPr lang="en-US" altLang="en-US" sz="3000" b="1" dirty="0">
-              <a:latin typeface="Arimo" panose="020B0604020202020204" pitchFamily="34" charset="0"/>
-              <a:ea typeface="Arimo" panose="020B0604020202020204" pitchFamily="34" charset="0"/>
-              <a:cs typeface="Arimo" panose="020B0604020202020204" pitchFamily="34" charset="0"/>
-            </a:endParaRPr>
-          </a:p>
-          <a:p>
-            <a:endParaRPr lang="en-US" altLang="en-US" sz="3000" b="1" dirty="0">
-              <a:latin typeface="Arimo" panose="020B0604020202020204" pitchFamily="34" charset="0"/>
-              <a:ea typeface="Arimo" panose="020B0604020202020204" pitchFamily="34" charset="0"/>
-              <a:cs typeface="Arimo" panose="020B0604020202020204" pitchFamily="34" charset="0"/>
-            </a:endParaRPr>
-          </a:p>
-          <a:p>
-            <a:endParaRPr lang="en-US" altLang="en-US" sz="3000" b="1" dirty="0">
+            <a:r>
+              <a:rPr lang="en-IE" altLang="en-US" sz="3350" dirty="0">
+                <a:latin typeface="Arimo" panose="020B0604020202020204" pitchFamily="34" charset="0"/>
+                <a:ea typeface="Arimo" panose="020B0604020202020204" pitchFamily="34" charset="0"/>
+                <a:cs typeface="Arimo" panose="020B0604020202020204" pitchFamily="34" charset="0"/>
+              </a:rPr>
+              <a:t>Cryptography plays a massively important role in modern Computer Science, as it allows for many of the most important uses of computers and wireless systems in the modern age. Without it, many important aspects of modern life that we take for granted would not be possible, such as the use of private messaging apps, like WhatsApp, or ensuring that e-mails, and data that is stored on the cloud, can only be accessed by their intended users. Without the encryption that modern cryptography provides, none of these things would be possible, and the internet would not likely be the useful tool that it is today.</a:t>
+            </a:r>
+          </a:p>
+          <a:p>
+            <a:endParaRPr lang="en-US" altLang="en-US" sz="3350" dirty="0">
+              <a:latin typeface="Arimo" panose="020B0604020202020204" pitchFamily="34" charset="0"/>
+              <a:ea typeface="Arimo" panose="020B0604020202020204" pitchFamily="34" charset="0"/>
+              <a:cs typeface="Arimo" panose="020B0604020202020204" pitchFamily="34" charset="0"/>
+            </a:endParaRPr>
+          </a:p>
+          <a:p>
+            <a:endParaRPr lang="en-US" altLang="en-US" sz="3350" dirty="0">
+              <a:latin typeface="Arimo" panose="020B0604020202020204" pitchFamily="34" charset="0"/>
+              <a:ea typeface="Arimo" panose="020B0604020202020204" pitchFamily="34" charset="0"/>
+              <a:cs typeface="Arimo" panose="020B0604020202020204" pitchFamily="34" charset="0"/>
+            </a:endParaRPr>
+          </a:p>
+          <a:p>
+            <a:endParaRPr lang="en-US" altLang="en-US" sz="3350" dirty="0">
+              <a:latin typeface="Arimo" panose="020B0604020202020204" pitchFamily="34" charset="0"/>
+              <a:ea typeface="Arimo" panose="020B0604020202020204" pitchFamily="34" charset="0"/>
+              <a:cs typeface="Arimo" panose="020B0604020202020204" pitchFamily="34" charset="0"/>
+            </a:endParaRPr>
+          </a:p>
+          <a:p>
+            <a:endParaRPr lang="en-US" altLang="en-US" sz="3350" dirty="0">
+              <a:latin typeface="Arimo" panose="020B0604020202020204" pitchFamily="34" charset="0"/>
+              <a:ea typeface="Arimo" panose="020B0604020202020204" pitchFamily="34" charset="0"/>
+              <a:cs typeface="Arimo" panose="020B0604020202020204" pitchFamily="34" charset="0"/>
+            </a:endParaRPr>
+          </a:p>
+          <a:p>
+            <a:endParaRPr lang="en-US" altLang="en-US" sz="3350" dirty="0">
+              <a:latin typeface="Arimo" panose="020B0604020202020204" pitchFamily="34" charset="0"/>
+              <a:ea typeface="Arimo" panose="020B0604020202020204" pitchFamily="34" charset="0"/>
+              <a:cs typeface="Arimo" panose="020B0604020202020204" pitchFamily="34" charset="0"/>
+            </a:endParaRPr>
+          </a:p>
+          <a:p>
+            <a:endParaRPr lang="en-US" altLang="en-US" sz="3350" dirty="0">
+              <a:latin typeface="Arimo" panose="020B0604020202020204" pitchFamily="34" charset="0"/>
+              <a:ea typeface="Arimo" panose="020B0604020202020204" pitchFamily="34" charset="0"/>
+              <a:cs typeface="Arimo" panose="020B0604020202020204" pitchFamily="34" charset="0"/>
+            </a:endParaRPr>
+          </a:p>
+          <a:p>
+            <a:endParaRPr lang="en-US" altLang="en-US" sz="3350" dirty="0">
+              <a:latin typeface="Arimo" panose="020B0604020202020204" pitchFamily="34" charset="0"/>
+              <a:ea typeface="Arimo" panose="020B0604020202020204" pitchFamily="34" charset="0"/>
+              <a:cs typeface="Arimo" panose="020B0604020202020204" pitchFamily="34" charset="0"/>
+            </a:endParaRPr>
+          </a:p>
+          <a:p>
+            <a:endParaRPr lang="en-US" altLang="en-US" sz="3350" dirty="0">
+              <a:latin typeface="Arimo" panose="020B0604020202020204" pitchFamily="34" charset="0"/>
+              <a:ea typeface="Arimo" panose="020B0604020202020204" pitchFamily="34" charset="0"/>
+              <a:cs typeface="Arimo" panose="020B0604020202020204" pitchFamily="34" charset="0"/>
+            </a:endParaRPr>
+          </a:p>
+          <a:p>
+            <a:endParaRPr lang="en-US" altLang="en-US" sz="3350" dirty="0">
+              <a:latin typeface="Arimo" panose="020B0604020202020204" pitchFamily="34" charset="0"/>
+              <a:ea typeface="Arimo" panose="020B0604020202020204" pitchFamily="34" charset="0"/>
+              <a:cs typeface="Arimo" panose="020B0604020202020204" pitchFamily="34" charset="0"/>
+            </a:endParaRPr>
+          </a:p>
+          <a:p>
+            <a:endParaRPr lang="en-US" altLang="en-US" sz="3350" dirty="0">
+              <a:latin typeface="Arimo" panose="020B0604020202020204" pitchFamily="34" charset="0"/>
+              <a:ea typeface="Arimo" panose="020B0604020202020204" pitchFamily="34" charset="0"/>
+              <a:cs typeface="Arimo" panose="020B0604020202020204" pitchFamily="34" charset="0"/>
+            </a:endParaRPr>
+          </a:p>
+          <a:p>
+            <a:endParaRPr lang="en-US" altLang="en-US" sz="3350" dirty="0">
               <a:latin typeface="Arimo" panose="020B0604020202020204" pitchFamily="34" charset="0"/>
               <a:ea typeface="Arimo" panose="020B0604020202020204" pitchFamily="34" charset="0"/>
               <a:cs typeface="Arimo" panose="020B0604020202020204" pitchFamily="34" charset="0"/>
@@ -2084,8 +1983,8 @@
         </p:nvSpPr>
         <p:spPr bwMode="auto">
           <a:xfrm>
-            <a:off x="22202581" y="5547171"/>
-            <a:ext cx="9861550" cy="579438"/>
+            <a:off x="22202581" y="5547169"/>
+            <a:ext cx="9861550" cy="540000"/>
           </a:xfrm>
           <a:prstGeom prst="rect">
             <a:avLst/>
@@ -2110,7 +2009,7 @@
               </a:spcBef>
             </a:pPr>
             <a:r>
-              <a:rPr lang="en-US" altLang="en-US" sz="3200" b="1" dirty="0">
+              <a:rPr lang="en-US" altLang="en-US" sz="2600" b="1" i="1" dirty="0">
                 <a:solidFill>
                   <a:srgbClr val="F8F8F8"/>
                 </a:solidFill>
@@ -2370,8 +2269,8 @@
         </p:nvSpPr>
         <p:spPr bwMode="auto">
           <a:xfrm>
-            <a:off x="797900" y="20115802"/>
-            <a:ext cx="9861550" cy="579438"/>
+            <a:off x="797900" y="20115800"/>
+            <a:ext cx="9861550" cy="540000"/>
           </a:xfrm>
           <a:prstGeom prst="rect">
             <a:avLst/>
@@ -2396,7 +2295,7 @@
               </a:spcBef>
             </a:pPr>
             <a:r>
-              <a:rPr lang="en-US" altLang="en-US" sz="3200" b="1" dirty="0">
+              <a:rPr lang="en-US" altLang="en-US" sz="2600" b="1" i="1" dirty="0">
                 <a:solidFill>
                   <a:srgbClr val="F8F8F8"/>
                 </a:solidFill>
@@ -2627,8 +2526,8 @@
         </p:nvSpPr>
         <p:spPr bwMode="auto">
           <a:xfrm>
-            <a:off x="11500247" y="5547171"/>
-            <a:ext cx="9861550" cy="579438"/>
+            <a:off x="11500247" y="5547169"/>
+            <a:ext cx="9861550" cy="540000"/>
           </a:xfrm>
           <a:prstGeom prst="rect">
             <a:avLst/>
@@ -2653,7 +2552,7 @@
               </a:spcBef>
             </a:pPr>
             <a:r>
-              <a:rPr lang="en-US" altLang="en-US" sz="3200" b="1" dirty="0">
+              <a:rPr lang="en-US" altLang="en-US" sz="2600" b="1" i="1" dirty="0">
                 <a:solidFill>
                   <a:srgbClr val="F8F8F8"/>
                 </a:solidFill>
@@ -2683,7 +2582,7 @@
         <p:spPr bwMode="auto">
           <a:xfrm>
             <a:off x="11500247" y="6113909"/>
-            <a:ext cx="9861550" cy="12926616"/>
+            <a:ext cx="9861550" cy="12880449"/>
           </a:xfrm>
           <a:prstGeom prst="rect">
             <a:avLst/>
@@ -2801,53 +2700,14 @@
             </a:lvl9pPr>
           </a:lstStyle>
           <a:p>
-            <a:endParaRPr lang="en-US" altLang="en-US" sz="3000" b="1" dirty="0">
-              <a:latin typeface="Arimo" panose="020B0604020202020204" pitchFamily="34" charset="0"/>
-              <a:ea typeface="Arimo" panose="020B0604020202020204" pitchFamily="34" charset="0"/>
-              <a:cs typeface="Arimo" panose="020B0604020202020204" pitchFamily="34" charset="0"/>
-            </a:endParaRPr>
-          </a:p>
-          <a:p>
-            <a:endParaRPr lang="en-US" altLang="en-US" sz="3000" b="1" dirty="0">
-              <a:latin typeface="Arimo" panose="020B0604020202020204" pitchFamily="34" charset="0"/>
-              <a:ea typeface="Arimo" panose="020B0604020202020204" pitchFamily="34" charset="0"/>
-              <a:cs typeface="Arimo" panose="020B0604020202020204" pitchFamily="34" charset="0"/>
-            </a:endParaRPr>
-          </a:p>
-          <a:p>
-            <a:endParaRPr lang="en-US" altLang="en-US" sz="3000" b="1" dirty="0">
-              <a:latin typeface="Arimo" panose="020B0604020202020204" pitchFamily="34" charset="0"/>
-              <a:ea typeface="Arimo" panose="020B0604020202020204" pitchFamily="34" charset="0"/>
-              <a:cs typeface="Arimo" panose="020B0604020202020204" pitchFamily="34" charset="0"/>
-            </a:endParaRPr>
-          </a:p>
-          <a:p>
-            <a:endParaRPr lang="en-US" altLang="en-US" sz="3000" b="1" dirty="0">
-              <a:latin typeface="Arimo" panose="020B0604020202020204" pitchFamily="34" charset="0"/>
-              <a:ea typeface="Arimo" panose="020B0604020202020204" pitchFamily="34" charset="0"/>
-              <a:cs typeface="Arimo" panose="020B0604020202020204" pitchFamily="34" charset="0"/>
-            </a:endParaRPr>
-          </a:p>
-          <a:p>
-            <a:endParaRPr lang="en-US" altLang="en-US" sz="3000" b="1" dirty="0">
-              <a:latin typeface="Arimo" panose="020B0604020202020204" pitchFamily="34" charset="0"/>
-              <a:ea typeface="Arimo" panose="020B0604020202020204" pitchFamily="34" charset="0"/>
-              <a:cs typeface="Arimo" panose="020B0604020202020204" pitchFamily="34" charset="0"/>
-            </a:endParaRPr>
-          </a:p>
-          <a:p>
-            <a:endParaRPr lang="en-US" altLang="en-US" sz="3000" b="1" dirty="0">
-              <a:latin typeface="Arimo" panose="020B0604020202020204" pitchFamily="34" charset="0"/>
-              <a:ea typeface="Arimo" panose="020B0604020202020204" pitchFamily="34" charset="0"/>
-              <a:cs typeface="Arimo" panose="020B0604020202020204" pitchFamily="34" charset="0"/>
-            </a:endParaRPr>
-          </a:p>
-          <a:p>
-            <a:endParaRPr lang="en-US" altLang="en-US" sz="3000" b="1" dirty="0">
-              <a:latin typeface="Arimo" panose="020B0604020202020204" pitchFamily="34" charset="0"/>
-              <a:ea typeface="Arimo" panose="020B0604020202020204" pitchFamily="34" charset="0"/>
-              <a:cs typeface="Arimo" panose="020B0604020202020204" pitchFamily="34" charset="0"/>
-            </a:endParaRPr>
+            <a:r>
+              <a:rPr lang="en-IE" altLang="en-US" sz="3450" dirty="0">
+                <a:latin typeface="Arimo" panose="020B0604020202020204" pitchFamily="34" charset="0"/>
+                <a:ea typeface="Arimo" panose="020B0604020202020204" pitchFamily="34" charset="0"/>
+                <a:cs typeface="Arimo" panose="020B0604020202020204" pitchFamily="34" charset="0"/>
+              </a:rPr>
+              <a:t>The 1950’s saw the introduction of an encryption machine called TSEC/KL-7 for use by the National Security Agency. It is probably better known by it’s codename, Adonis. It would become the most widely used encryption machine in the US armed forces.</a:t>
+            </a:r>
           </a:p>
           <a:p>
             <a:endParaRPr lang="en-US" altLang="en-US" sz="3000" b="1" dirty="0">
@@ -3000,8 +2860,8 @@
         </p:nvSpPr>
         <p:spPr bwMode="auto">
           <a:xfrm>
-            <a:off x="32904915" y="19641856"/>
-            <a:ext cx="9861550" cy="579438"/>
+            <a:off x="32904915" y="19641854"/>
+            <a:ext cx="9861550" cy="540000"/>
           </a:xfrm>
           <a:prstGeom prst="rect">
             <a:avLst/>
@@ -3025,7 +2885,18 @@
                 <a:spcPct val="50000"/>
               </a:spcBef>
             </a:pPr>
-            <a:endParaRPr lang="en-US" altLang="en-US" sz="3200" b="1" dirty="0">
+            <a:r>
+              <a:rPr lang="en-IE" altLang="en-US" sz="2600" b="1" i="1" dirty="0">
+                <a:solidFill>
+                  <a:srgbClr val="F8F8F8"/>
+                </a:solidFill>
+                <a:latin typeface="Arimo" panose="020B0604020202020204" pitchFamily="34" charset="0"/>
+                <a:ea typeface="Arimo" panose="020B0604020202020204" pitchFamily="34" charset="0"/>
+                <a:cs typeface="Arimo" panose="020B0604020202020204" pitchFamily="34" charset="0"/>
+              </a:rPr>
+              <a:t>Overview of the modern applications of cryptography</a:t>
+            </a:r>
+            <a:endParaRPr lang="en-US" altLang="en-US" sz="2600" b="1" i="1" dirty="0">
               <a:solidFill>
                 <a:srgbClr val="F8F8F8"/>
               </a:solidFill>
@@ -3052,8 +2923,8 @@
         </p:nvSpPr>
         <p:spPr bwMode="auto">
           <a:xfrm>
-            <a:off x="33061178" y="20175153"/>
-            <a:ext cx="9861550" cy="12003286"/>
+            <a:off x="32904915" y="20159273"/>
+            <a:ext cx="9861550" cy="12095619"/>
           </a:xfrm>
           <a:prstGeom prst="rect">
             <a:avLst/>
@@ -3171,168 +3042,92 @@
             </a:lvl9pPr>
           </a:lstStyle>
           <a:p>
-            <a:endParaRPr lang="en-US" altLang="en-US" sz="3000" b="1" dirty="0">
-              <a:latin typeface="Arimo" panose="020B0604020202020204" pitchFamily="34" charset="0"/>
-              <a:ea typeface="Arimo" panose="020B0604020202020204" pitchFamily="34" charset="0"/>
-              <a:cs typeface="Arimo" panose="020B0604020202020204" pitchFamily="34" charset="0"/>
-            </a:endParaRPr>
-          </a:p>
-          <a:p>
-            <a:endParaRPr lang="en-US" altLang="en-US" sz="3000" b="1" dirty="0">
-              <a:latin typeface="Arimo" panose="020B0604020202020204" pitchFamily="34" charset="0"/>
-              <a:ea typeface="Arimo" panose="020B0604020202020204" pitchFamily="34" charset="0"/>
-              <a:cs typeface="Arimo" panose="020B0604020202020204" pitchFamily="34" charset="0"/>
-            </a:endParaRPr>
-          </a:p>
-          <a:p>
-            <a:endParaRPr lang="en-US" altLang="en-US" sz="3000" b="1" dirty="0">
-              <a:latin typeface="Arimo" panose="020B0604020202020204" pitchFamily="34" charset="0"/>
-              <a:ea typeface="Arimo" panose="020B0604020202020204" pitchFamily="34" charset="0"/>
-              <a:cs typeface="Arimo" panose="020B0604020202020204" pitchFamily="34" charset="0"/>
-            </a:endParaRPr>
-          </a:p>
-          <a:p>
-            <a:endParaRPr lang="en-US" altLang="en-US" sz="3000" b="1" dirty="0">
-              <a:latin typeface="Arimo" panose="020B0604020202020204" pitchFamily="34" charset="0"/>
-              <a:ea typeface="Arimo" panose="020B0604020202020204" pitchFamily="34" charset="0"/>
-              <a:cs typeface="Arimo" panose="020B0604020202020204" pitchFamily="34" charset="0"/>
-            </a:endParaRPr>
-          </a:p>
-          <a:p>
-            <a:endParaRPr lang="en-US" altLang="en-US" sz="3000" b="1" dirty="0">
-              <a:latin typeface="Arimo" panose="020B0604020202020204" pitchFamily="34" charset="0"/>
-              <a:ea typeface="Arimo" panose="020B0604020202020204" pitchFamily="34" charset="0"/>
-              <a:cs typeface="Arimo" panose="020B0604020202020204" pitchFamily="34" charset="0"/>
-            </a:endParaRPr>
-          </a:p>
-          <a:p>
-            <a:endParaRPr lang="en-US" altLang="en-US" sz="3000" b="1" dirty="0">
-              <a:latin typeface="Arimo" panose="020B0604020202020204" pitchFamily="34" charset="0"/>
-              <a:ea typeface="Arimo" panose="020B0604020202020204" pitchFamily="34" charset="0"/>
-              <a:cs typeface="Arimo" panose="020B0604020202020204" pitchFamily="34" charset="0"/>
-            </a:endParaRPr>
-          </a:p>
-          <a:p>
-            <a:endParaRPr lang="en-US" altLang="en-US" sz="3000" b="1" dirty="0">
-              <a:latin typeface="Arimo" panose="020B0604020202020204" pitchFamily="34" charset="0"/>
-              <a:ea typeface="Arimo" panose="020B0604020202020204" pitchFamily="34" charset="0"/>
-              <a:cs typeface="Arimo" panose="020B0604020202020204" pitchFamily="34" charset="0"/>
-            </a:endParaRPr>
-          </a:p>
-          <a:p>
-            <a:endParaRPr lang="en-US" altLang="en-US" sz="3000" b="1" dirty="0">
-              <a:latin typeface="Arimo" panose="020B0604020202020204" pitchFamily="34" charset="0"/>
-              <a:ea typeface="Arimo" panose="020B0604020202020204" pitchFamily="34" charset="0"/>
-              <a:cs typeface="Arimo" panose="020B0604020202020204" pitchFamily="34" charset="0"/>
-            </a:endParaRPr>
-          </a:p>
-          <a:p>
-            <a:endParaRPr lang="en-US" altLang="en-US" sz="3000" b="1" dirty="0">
-              <a:latin typeface="Arimo" panose="020B0604020202020204" pitchFamily="34" charset="0"/>
-              <a:ea typeface="Arimo" panose="020B0604020202020204" pitchFamily="34" charset="0"/>
-              <a:cs typeface="Arimo" panose="020B0604020202020204" pitchFamily="34" charset="0"/>
-            </a:endParaRPr>
-          </a:p>
-          <a:p>
-            <a:endParaRPr lang="en-US" altLang="en-US" sz="3000" b="1" dirty="0">
-              <a:latin typeface="Arimo" panose="020B0604020202020204" pitchFamily="34" charset="0"/>
-              <a:ea typeface="Arimo" panose="020B0604020202020204" pitchFamily="34" charset="0"/>
-              <a:cs typeface="Arimo" panose="020B0604020202020204" pitchFamily="34" charset="0"/>
-            </a:endParaRPr>
-          </a:p>
-          <a:p>
-            <a:endParaRPr lang="en-US" altLang="en-US" sz="3000" b="1" dirty="0">
-              <a:latin typeface="Arimo" panose="020B0604020202020204" pitchFamily="34" charset="0"/>
-              <a:ea typeface="Arimo" panose="020B0604020202020204" pitchFamily="34" charset="0"/>
-              <a:cs typeface="Arimo" panose="020B0604020202020204" pitchFamily="34" charset="0"/>
-            </a:endParaRPr>
-          </a:p>
-          <a:p>
-            <a:endParaRPr lang="en-US" altLang="en-US" sz="3000" b="1" dirty="0">
-              <a:latin typeface="Arimo" panose="020B0604020202020204" pitchFamily="34" charset="0"/>
-              <a:ea typeface="Arimo" panose="020B0604020202020204" pitchFamily="34" charset="0"/>
-              <a:cs typeface="Arimo" panose="020B0604020202020204" pitchFamily="34" charset="0"/>
-            </a:endParaRPr>
-          </a:p>
-          <a:p>
-            <a:endParaRPr lang="en-US" altLang="en-US" sz="3000" b="1" dirty="0">
-              <a:latin typeface="Arimo" panose="020B0604020202020204" pitchFamily="34" charset="0"/>
-              <a:ea typeface="Arimo" panose="020B0604020202020204" pitchFamily="34" charset="0"/>
-              <a:cs typeface="Arimo" panose="020B0604020202020204" pitchFamily="34" charset="0"/>
-            </a:endParaRPr>
-          </a:p>
-          <a:p>
-            <a:endParaRPr lang="en-US" altLang="en-US" sz="3000" b="1" dirty="0">
-              <a:latin typeface="Arimo" panose="020B0604020202020204" pitchFamily="34" charset="0"/>
-              <a:ea typeface="Arimo" panose="020B0604020202020204" pitchFamily="34" charset="0"/>
-              <a:cs typeface="Arimo" panose="020B0604020202020204" pitchFamily="34" charset="0"/>
-            </a:endParaRPr>
-          </a:p>
-          <a:p>
-            <a:endParaRPr lang="en-US" altLang="en-US" sz="3000" b="1" dirty="0">
-              <a:latin typeface="Arimo" panose="020B0604020202020204" pitchFamily="34" charset="0"/>
-              <a:ea typeface="Arimo" panose="020B0604020202020204" pitchFamily="34" charset="0"/>
-              <a:cs typeface="Arimo" panose="020B0604020202020204" pitchFamily="34" charset="0"/>
-            </a:endParaRPr>
-          </a:p>
-          <a:p>
-            <a:endParaRPr lang="en-US" altLang="en-US" sz="3000" b="1" dirty="0">
-              <a:latin typeface="Arimo" panose="020B0604020202020204" pitchFamily="34" charset="0"/>
-              <a:ea typeface="Arimo" panose="020B0604020202020204" pitchFamily="34" charset="0"/>
-              <a:cs typeface="Arimo" panose="020B0604020202020204" pitchFamily="34" charset="0"/>
-            </a:endParaRPr>
-          </a:p>
-          <a:p>
-            <a:endParaRPr lang="en-US" altLang="en-US" sz="3000" b="1" dirty="0">
-              <a:latin typeface="Arimo" panose="020B0604020202020204" pitchFamily="34" charset="0"/>
-              <a:ea typeface="Arimo" panose="020B0604020202020204" pitchFamily="34" charset="0"/>
-              <a:cs typeface="Arimo" panose="020B0604020202020204" pitchFamily="34" charset="0"/>
-            </a:endParaRPr>
-          </a:p>
-          <a:p>
-            <a:endParaRPr lang="en-US" altLang="en-US" sz="3000" b="1" dirty="0">
-              <a:latin typeface="Arimo" panose="020B0604020202020204" pitchFamily="34" charset="0"/>
-              <a:ea typeface="Arimo" panose="020B0604020202020204" pitchFamily="34" charset="0"/>
-              <a:cs typeface="Arimo" panose="020B0604020202020204" pitchFamily="34" charset="0"/>
-            </a:endParaRPr>
-          </a:p>
-          <a:p>
-            <a:endParaRPr lang="en-US" altLang="en-US" sz="3000" b="1" dirty="0">
-              <a:latin typeface="Arimo" panose="020B0604020202020204" pitchFamily="34" charset="0"/>
-              <a:ea typeface="Arimo" panose="020B0604020202020204" pitchFamily="34" charset="0"/>
-              <a:cs typeface="Arimo" panose="020B0604020202020204" pitchFamily="34" charset="0"/>
-            </a:endParaRPr>
-          </a:p>
-          <a:p>
-            <a:endParaRPr lang="en-US" altLang="en-US" sz="3000" b="1" dirty="0">
-              <a:latin typeface="Arimo" panose="020B0604020202020204" pitchFamily="34" charset="0"/>
-              <a:ea typeface="Arimo" panose="020B0604020202020204" pitchFamily="34" charset="0"/>
-              <a:cs typeface="Arimo" panose="020B0604020202020204" pitchFamily="34" charset="0"/>
-            </a:endParaRPr>
-          </a:p>
-          <a:p>
-            <a:endParaRPr lang="en-US" altLang="en-US" sz="3000" b="1" dirty="0">
-              <a:latin typeface="Arimo" panose="020B0604020202020204" pitchFamily="34" charset="0"/>
-              <a:ea typeface="Arimo" panose="020B0604020202020204" pitchFamily="34" charset="0"/>
-              <a:cs typeface="Arimo" panose="020B0604020202020204" pitchFamily="34" charset="0"/>
-            </a:endParaRPr>
-          </a:p>
-          <a:p>
-            <a:endParaRPr lang="en-US" altLang="en-US" sz="3000" b="1" dirty="0">
-              <a:latin typeface="Arimo" panose="020B0604020202020204" pitchFamily="34" charset="0"/>
-              <a:ea typeface="Arimo" panose="020B0604020202020204" pitchFamily="34" charset="0"/>
-              <a:cs typeface="Arimo" panose="020B0604020202020204" pitchFamily="34" charset="0"/>
-            </a:endParaRPr>
-          </a:p>
-          <a:p>
-            <a:endParaRPr lang="en-US" altLang="en-US" sz="3000" b="1" dirty="0">
-              <a:latin typeface="Arimo" panose="020B0604020202020204" pitchFamily="34" charset="0"/>
-              <a:ea typeface="Arimo" panose="020B0604020202020204" pitchFamily="34" charset="0"/>
-              <a:cs typeface="Arimo" panose="020B0604020202020204" pitchFamily="34" charset="0"/>
-            </a:endParaRPr>
-          </a:p>
-          <a:p>
-            <a:endParaRPr lang="en-US" altLang="en-US" sz="3000" b="1" dirty="0">
+            <a:r>
+              <a:rPr lang="en-IE" altLang="en-US" sz="3300" dirty="0">
+                <a:latin typeface="Arimo" panose="020B0604020202020204" pitchFamily="34" charset="0"/>
+                <a:ea typeface="Arimo" panose="020B0604020202020204" pitchFamily="34" charset="0"/>
+                <a:cs typeface="Arimo" panose="020B0604020202020204" pitchFamily="34" charset="0"/>
+              </a:rPr>
+              <a:t>Some of the most important applications of cryptography in modern computer science include the secure storing of encrypted passwords, secure communications, especially regarding End-to-End encryption, and in ensuring the security of data that is stored on the cloud. These are immensely important uses for cryptography, as they allow for the safe use of computers, allowing information to be transmitted and stored online, whilst also maintaining the privacy of such information.</a:t>
+            </a:r>
+            <a:endParaRPr lang="en-US" altLang="en-US" sz="3300" dirty="0">
+              <a:latin typeface="Arimo" panose="020B0604020202020204" pitchFamily="34" charset="0"/>
+              <a:ea typeface="Arimo" panose="020B0604020202020204" pitchFamily="34" charset="0"/>
+              <a:cs typeface="Arimo" panose="020B0604020202020204" pitchFamily="34" charset="0"/>
+            </a:endParaRPr>
+          </a:p>
+          <a:p>
+            <a:endParaRPr lang="en-US" altLang="en-US" sz="3300" dirty="0">
+              <a:latin typeface="Arimo" panose="020B0604020202020204" pitchFamily="34" charset="0"/>
+              <a:ea typeface="Arimo" panose="020B0604020202020204" pitchFamily="34" charset="0"/>
+              <a:cs typeface="Arimo" panose="020B0604020202020204" pitchFamily="34" charset="0"/>
+            </a:endParaRPr>
+          </a:p>
+          <a:p>
+            <a:endParaRPr lang="en-US" altLang="en-US" sz="3300" dirty="0">
+              <a:latin typeface="Arimo" panose="020B0604020202020204" pitchFamily="34" charset="0"/>
+              <a:ea typeface="Arimo" panose="020B0604020202020204" pitchFamily="34" charset="0"/>
+              <a:cs typeface="Arimo" panose="020B0604020202020204" pitchFamily="34" charset="0"/>
+            </a:endParaRPr>
+          </a:p>
+          <a:p>
+            <a:endParaRPr lang="en-US" altLang="en-US" sz="3300" dirty="0">
+              <a:latin typeface="Arimo" panose="020B0604020202020204" pitchFamily="34" charset="0"/>
+              <a:ea typeface="Arimo" panose="020B0604020202020204" pitchFamily="34" charset="0"/>
+              <a:cs typeface="Arimo" panose="020B0604020202020204" pitchFamily="34" charset="0"/>
+            </a:endParaRPr>
+          </a:p>
+          <a:p>
+            <a:endParaRPr lang="en-US" altLang="en-US" sz="3300" dirty="0">
+              <a:latin typeface="Arimo" panose="020B0604020202020204" pitchFamily="34" charset="0"/>
+              <a:ea typeface="Arimo" panose="020B0604020202020204" pitchFamily="34" charset="0"/>
+              <a:cs typeface="Arimo" panose="020B0604020202020204" pitchFamily="34" charset="0"/>
+            </a:endParaRPr>
+          </a:p>
+          <a:p>
+            <a:endParaRPr lang="en-US" altLang="en-US" sz="3300" dirty="0">
+              <a:latin typeface="Arimo" panose="020B0604020202020204" pitchFamily="34" charset="0"/>
+              <a:ea typeface="Arimo" panose="020B0604020202020204" pitchFamily="34" charset="0"/>
+              <a:cs typeface="Arimo" panose="020B0604020202020204" pitchFamily="34" charset="0"/>
+            </a:endParaRPr>
+          </a:p>
+          <a:p>
+            <a:endParaRPr lang="en-US" altLang="en-US" sz="3300" dirty="0">
+              <a:latin typeface="Arimo" panose="020B0604020202020204" pitchFamily="34" charset="0"/>
+              <a:ea typeface="Arimo" panose="020B0604020202020204" pitchFamily="34" charset="0"/>
+              <a:cs typeface="Arimo" panose="020B0604020202020204" pitchFamily="34" charset="0"/>
+            </a:endParaRPr>
+          </a:p>
+          <a:p>
+            <a:endParaRPr lang="en-US" altLang="en-US" sz="3300" dirty="0">
+              <a:latin typeface="Arimo" panose="020B0604020202020204" pitchFamily="34" charset="0"/>
+              <a:ea typeface="Arimo" panose="020B0604020202020204" pitchFamily="34" charset="0"/>
+              <a:cs typeface="Arimo" panose="020B0604020202020204" pitchFamily="34" charset="0"/>
+            </a:endParaRPr>
+          </a:p>
+          <a:p>
+            <a:endParaRPr lang="en-US" altLang="en-US" sz="3300" dirty="0">
+              <a:latin typeface="Arimo" panose="020B0604020202020204" pitchFamily="34" charset="0"/>
+              <a:ea typeface="Arimo" panose="020B0604020202020204" pitchFamily="34" charset="0"/>
+              <a:cs typeface="Arimo" panose="020B0604020202020204" pitchFamily="34" charset="0"/>
+            </a:endParaRPr>
+          </a:p>
+          <a:p>
+            <a:endParaRPr lang="en-US" altLang="en-US" sz="3300" dirty="0">
+              <a:latin typeface="Arimo" panose="020B0604020202020204" pitchFamily="34" charset="0"/>
+              <a:ea typeface="Arimo" panose="020B0604020202020204" pitchFamily="34" charset="0"/>
+              <a:cs typeface="Arimo" panose="020B0604020202020204" pitchFamily="34" charset="0"/>
+            </a:endParaRPr>
+          </a:p>
+          <a:p>
+            <a:endParaRPr lang="en-US" altLang="en-US" sz="3300" dirty="0">
+              <a:latin typeface="Arimo" panose="020B0604020202020204" pitchFamily="34" charset="0"/>
+              <a:ea typeface="Arimo" panose="020B0604020202020204" pitchFamily="34" charset="0"/>
+              <a:cs typeface="Arimo" panose="020B0604020202020204" pitchFamily="34" charset="0"/>
+            </a:endParaRPr>
+          </a:p>
+          <a:p>
+            <a:endParaRPr lang="en-US" altLang="en-US" sz="3300" dirty="0">
               <a:latin typeface="Arimo" panose="020B0604020202020204" pitchFamily="34" charset="0"/>
               <a:ea typeface="Arimo" panose="020B0604020202020204" pitchFamily="34" charset="0"/>
               <a:cs typeface="Arimo" panose="020B0604020202020204" pitchFamily="34" charset="0"/>
@@ -3356,8 +3151,8 @@
         </p:nvSpPr>
         <p:spPr bwMode="auto">
           <a:xfrm>
-            <a:off x="22202581" y="17768960"/>
-            <a:ext cx="9861550" cy="579438"/>
+            <a:off x="22202581" y="17768958"/>
+            <a:ext cx="9861550" cy="540000"/>
           </a:xfrm>
           <a:prstGeom prst="rect">
             <a:avLst/>
@@ -3382,7 +3177,7 @@
               </a:spcBef>
             </a:pPr>
             <a:r>
-              <a:rPr lang="en-US" altLang="en-US" sz="3200" b="1" dirty="0">
+              <a:rPr lang="en-US" altLang="en-US" sz="2600" b="1" i="1" dirty="0">
                 <a:solidFill>
                   <a:srgbClr val="F8F8F8"/>
                 </a:solidFill>
@@ -3648,8 +3443,8 @@
         </p:nvSpPr>
         <p:spPr bwMode="auto">
           <a:xfrm>
-            <a:off x="11500247" y="18773299"/>
-            <a:ext cx="9861550" cy="579438"/>
+            <a:off x="11500247" y="18773297"/>
+            <a:ext cx="9861550" cy="540000"/>
           </a:xfrm>
           <a:prstGeom prst="rect">
             <a:avLst/>
@@ -3673,7 +3468,7 @@
                 <a:spcPct val="50000"/>
               </a:spcBef>
             </a:pPr>
-            <a:endParaRPr lang="en-US" altLang="en-US" sz="3200" b="1" dirty="0">
+            <a:endParaRPr lang="en-US" altLang="en-US" sz="2600" b="1" i="1" dirty="0">
               <a:solidFill>
                 <a:srgbClr val="F8F8F8"/>
               </a:solidFill>
@@ -3701,7 +3496,7 @@
         <p:spPr bwMode="auto">
           <a:xfrm>
             <a:off x="11500247" y="19340037"/>
-            <a:ext cx="9861550" cy="12816000"/>
+            <a:ext cx="9861550" cy="12880449"/>
           </a:xfrm>
           <a:prstGeom prst="rect">
             <a:avLst/>
@@ -3819,53 +3614,14 @@
             </a:lvl9pPr>
           </a:lstStyle>
           <a:p>
-            <a:endParaRPr lang="en-US" altLang="en-US" sz="3000" b="1" dirty="0">
-              <a:latin typeface="Arimo" panose="020B0604020202020204" pitchFamily="34" charset="0"/>
-              <a:ea typeface="Arimo" panose="020B0604020202020204" pitchFamily="34" charset="0"/>
-              <a:cs typeface="Arimo" panose="020B0604020202020204" pitchFamily="34" charset="0"/>
-            </a:endParaRPr>
-          </a:p>
-          <a:p>
-            <a:endParaRPr lang="en-US" altLang="en-US" sz="3000" b="1" dirty="0">
-              <a:latin typeface="Arimo" panose="020B0604020202020204" pitchFamily="34" charset="0"/>
-              <a:ea typeface="Arimo" panose="020B0604020202020204" pitchFamily="34" charset="0"/>
-              <a:cs typeface="Arimo" panose="020B0604020202020204" pitchFamily="34" charset="0"/>
-            </a:endParaRPr>
-          </a:p>
-          <a:p>
-            <a:endParaRPr lang="en-US" altLang="en-US" sz="3000" b="1" dirty="0">
-              <a:latin typeface="Arimo" panose="020B0604020202020204" pitchFamily="34" charset="0"/>
-              <a:ea typeface="Arimo" panose="020B0604020202020204" pitchFamily="34" charset="0"/>
-              <a:cs typeface="Arimo" panose="020B0604020202020204" pitchFamily="34" charset="0"/>
-            </a:endParaRPr>
-          </a:p>
-          <a:p>
-            <a:endParaRPr lang="en-US" altLang="en-US" sz="3000" b="1" dirty="0">
-              <a:latin typeface="Arimo" panose="020B0604020202020204" pitchFamily="34" charset="0"/>
-              <a:ea typeface="Arimo" panose="020B0604020202020204" pitchFamily="34" charset="0"/>
-              <a:cs typeface="Arimo" panose="020B0604020202020204" pitchFamily="34" charset="0"/>
-            </a:endParaRPr>
-          </a:p>
-          <a:p>
-            <a:endParaRPr lang="en-US" altLang="en-US" sz="3000" b="1" dirty="0">
-              <a:latin typeface="Arimo" panose="020B0604020202020204" pitchFamily="34" charset="0"/>
-              <a:ea typeface="Arimo" panose="020B0604020202020204" pitchFamily="34" charset="0"/>
-              <a:cs typeface="Arimo" panose="020B0604020202020204" pitchFamily="34" charset="0"/>
-            </a:endParaRPr>
-          </a:p>
-          <a:p>
-            <a:endParaRPr lang="en-US" altLang="en-US" sz="3000" b="1" dirty="0">
-              <a:latin typeface="Arimo" panose="020B0604020202020204" pitchFamily="34" charset="0"/>
-              <a:ea typeface="Arimo" panose="020B0604020202020204" pitchFamily="34" charset="0"/>
-              <a:cs typeface="Arimo" panose="020B0604020202020204" pitchFamily="34" charset="0"/>
-            </a:endParaRPr>
-          </a:p>
-          <a:p>
-            <a:endParaRPr lang="en-US" altLang="en-US" sz="3000" b="1" dirty="0">
-              <a:latin typeface="Arimo" panose="020B0604020202020204" pitchFamily="34" charset="0"/>
-              <a:ea typeface="Arimo" panose="020B0604020202020204" pitchFamily="34" charset="0"/>
-              <a:cs typeface="Arimo" panose="020B0604020202020204" pitchFamily="34" charset="0"/>
-            </a:endParaRPr>
+            <a:r>
+              <a:rPr lang="en-IE" altLang="en-US" sz="3450" dirty="0">
+                <a:latin typeface="Arimo" panose="020B0604020202020204" pitchFamily="34" charset="0"/>
+                <a:ea typeface="Arimo" panose="020B0604020202020204" pitchFamily="34" charset="0"/>
+                <a:cs typeface="Arimo" panose="020B0604020202020204" pitchFamily="34" charset="0"/>
+              </a:rPr>
+              <a:t>At the beginning of the 1970’s, research physicist Stephen Wiesner invented conjugate coding in an attempt to make money impossible to counterfeit and, although this was not achieved, the coding itself is still used in quantum computing.</a:t>
+            </a:r>
           </a:p>
           <a:p>
             <a:endParaRPr lang="en-US" altLang="en-US" sz="3000" b="1" dirty="0">
@@ -4027,14 +3783,13 @@
               </a:ext>
             </a:extLst>
           </a:blip>
-          <a:stretch>
-            <a:fillRect/>
-          </a:stretch>
+          <a:srcRect/>
+          <a:stretch/>
         </p:blipFill>
         <p:spPr>
           <a:xfrm>
-            <a:off x="34040011" y="13824942"/>
-            <a:ext cx="7591356" cy="5060903"/>
+            <a:off x="33510756" y="14125747"/>
+            <a:ext cx="8649868" cy="4866992"/>
           </a:xfrm>
           <a:prstGeom prst="rect">
             <a:avLst/>
@@ -4076,14 +3831,13 @@
               </a:ext>
             </a:extLst>
           </a:blip>
-          <a:stretch>
-            <a:fillRect/>
-          </a:stretch>
+          <a:srcRect/>
+          <a:stretch/>
         </p:blipFill>
         <p:spPr>
           <a:xfrm>
-            <a:off x="33580093" y="26453350"/>
-            <a:ext cx="8511191" cy="5042589"/>
+            <a:off x="34123087" y="26453350"/>
+            <a:ext cx="7563883" cy="5042589"/>
           </a:xfrm>
           <a:prstGeom prst="rect">
             <a:avLst/>
@@ -4286,7 +4040,7 @@
       </p:pic>
       <p:pic>
         <p:nvPicPr>
-          <p:cNvPr id="59" name="Picture 58" descr="A close up of a piece of paper&#10;&#10;Description automatically generated">
+          <p:cNvPr id="59" name="Picture 58">
             <a:extLst>
               <a:ext uri="{FF2B5EF4-FFF2-40B4-BE49-F238E27FC236}">
                 <a16:creationId xmlns:a16="http://schemas.microsoft.com/office/drawing/2014/main" id="{A7577769-21E6-449B-9B7D-9A9CC491CEE2}"/>
@@ -4306,14 +4060,13 @@
               </a:ext>
             </a:extLst>
           </a:blip>
-          <a:stretch>
-            <a:fillRect/>
-          </a:stretch>
+          <a:srcRect/>
+          <a:stretch/>
         </p:blipFill>
         <p:spPr>
           <a:xfrm>
-            <a:off x="12604751" y="13811517"/>
-            <a:ext cx="7620000" cy="4352925"/>
+            <a:off x="12958566" y="11578001"/>
+            <a:ext cx="6882000" cy="6559406"/>
           </a:xfrm>
           <a:prstGeom prst="rect">
             <a:avLst/>
@@ -4332,7 +4085,7 @@
       </p:pic>
       <p:pic>
         <p:nvPicPr>
-          <p:cNvPr id="61" name="Picture 60" descr="A picture containing indoor, clock, table, sitting&#10;&#10;Description automatically generated">
+          <p:cNvPr id="61" name="Picture 60">
             <a:extLst>
               <a:ext uri="{FF2B5EF4-FFF2-40B4-BE49-F238E27FC236}">
                 <a16:creationId xmlns:a16="http://schemas.microsoft.com/office/drawing/2014/main" id="{6D4A9A46-BD27-489D-B879-D30A747F547B}"/>
@@ -4344,7 +4097,7 @@
           </p:cNvPicPr>
           <p:nvPr/>
         </p:nvPicPr>
-        <p:blipFill>
+        <p:blipFill rotWithShape="1">
           <a:blip r:embed="rId10">
             <a:extLst>
               <a:ext uri="{28A0092B-C50C-407E-A947-70E740481C1C}">
@@ -4352,14 +4105,13 @@
               </a:ext>
             </a:extLst>
           </a:blip>
-          <a:stretch>
-            <a:fillRect/>
-          </a:stretch>
+          <a:srcRect l="6128" r="6558" b="13113"/>
+          <a:stretch/>
         </p:blipFill>
         <p:spPr>
           <a:xfrm>
-            <a:off x="12871451" y="27790714"/>
-            <a:ext cx="7086600" cy="3705225"/>
+            <a:off x="12388457" y="27304862"/>
+            <a:ext cx="8022218" cy="4191078"/>
           </a:xfrm>
           <a:prstGeom prst="rect">
             <a:avLst/>

--- a/Poster/A Study of Cryptography CS4182 Poster.pptx
+++ b/Poster/A Study of Cryptography CS4182 Poster.pptx
@@ -7,7 +7,7 @@
   <p:sldIdLst>
     <p:sldId id="256" r:id="rId2"/>
   </p:sldIdLst>
-  <p:sldSz cx="43919775" cy="33120013"/>
+  <p:sldSz cx="43919775" cy="35999738"/>
   <p:notesSz cx="6858000" cy="9144000"/>
   <p:defaultTextStyle>
     <a:defPPr>
@@ -142,8 +142,8 @@
         </p:nvSpPr>
         <p:spPr>
           <a:xfrm>
-            <a:off x="576072" y="1124712"/>
-            <a:ext cx="11036808" cy="3172968"/>
+            <a:off x="576072" y="1222504"/>
+            <a:ext cx="11036808" cy="3448852"/>
           </a:xfrm>
         </p:spPr>
         <p:txBody>
@@ -181,8 +181,8 @@
         </p:nvSpPr>
         <p:spPr>
           <a:xfrm>
-            <a:off x="576072" y="4727448"/>
-            <a:ext cx="11036808" cy="1481328"/>
+            <a:off x="576072" y="5138492"/>
+            <a:ext cx="11036808" cy="1610127"/>
           </a:xfrm>
         </p:spPr>
         <p:txBody>
@@ -253,8 +253,8 @@
         </p:nvSpPr>
         <p:spPr>
           <a:xfrm>
-            <a:off x="576072" y="6356350"/>
-            <a:ext cx="2743200" cy="365125"/>
+            <a:off x="576072" y="6909025"/>
+            <a:ext cx="2743200" cy="396872"/>
           </a:xfrm>
         </p:spPr>
         <p:txBody>
@@ -312,8 +312,8 @@
         </p:nvSpPr>
         <p:spPr>
           <a:xfrm>
-            <a:off x="8869680" y="6356350"/>
-            <a:ext cx="2743200" cy="365125"/>
+            <a:off x="8869680" y="6909025"/>
+            <a:ext cx="2743200" cy="396872"/>
           </a:xfrm>
         </p:spPr>
         <p:txBody>
@@ -342,8 +342,8 @@
         </p:nvSpPr>
         <p:spPr>
           <a:xfrm rot="5400000">
-            <a:off x="857544" y="346791"/>
-            <a:ext cx="146304" cy="704088"/>
+            <a:off x="851185" y="407553"/>
+            <a:ext cx="159025" cy="704088"/>
           </a:xfrm>
           <a:prstGeom prst="rect">
             <a:avLst/>
@@ -423,8 +423,8 @@
         </p:nvSpPr>
         <p:spPr>
           <a:xfrm flipV="1">
-            <a:off x="578652" y="4501201"/>
-            <a:ext cx="11034696" cy="18288"/>
+            <a:off x="578652" y="4892572"/>
+            <a:ext cx="11034696" cy="19878"/>
           </a:xfrm>
           <a:prstGeom prst="rect">
             <a:avLst/>
@@ -547,8 +547,8 @@
         </p:nvSpPr>
         <p:spPr>
           <a:xfrm>
-            <a:off x="838200" y="365125"/>
-            <a:ext cx="10515600" cy="1325563"/>
+            <a:off x="838200" y="396874"/>
+            <a:ext cx="10515600" cy="1440818"/>
           </a:xfrm>
           <a:prstGeom prst="rect">
             <a:avLst/>
@@ -586,8 +586,8 @@
         </p:nvSpPr>
         <p:spPr>
           <a:xfrm>
-            <a:off x="838200" y="1825625"/>
-            <a:ext cx="10515600" cy="4351338"/>
+            <a:off x="838200" y="1984360"/>
+            <a:ext cx="10515600" cy="4729679"/>
           </a:xfrm>
           <a:prstGeom prst="rect">
             <a:avLst/>
@@ -654,8 +654,8 @@
         </p:nvSpPr>
         <p:spPr>
           <a:xfrm>
-            <a:off x="838200" y="6356350"/>
-            <a:ext cx="2743200" cy="365125"/>
+            <a:off x="838200" y="6909025"/>
+            <a:ext cx="2743200" cy="396872"/>
           </a:xfrm>
           <a:prstGeom prst="rect">
             <a:avLst/>
@@ -701,8 +701,8 @@
         </p:nvSpPr>
         <p:spPr>
           <a:xfrm>
-            <a:off x="4038600" y="6356350"/>
-            <a:ext cx="4114800" cy="365125"/>
+            <a:off x="4038600" y="6909025"/>
+            <a:ext cx="4114800" cy="396872"/>
           </a:xfrm>
           <a:prstGeom prst="rect">
             <a:avLst/>
@@ -744,8 +744,8 @@
         </p:nvSpPr>
         <p:spPr>
           <a:xfrm>
-            <a:off x="8610600" y="6356350"/>
-            <a:ext cx="2743200" cy="365125"/>
+            <a:off x="8610600" y="6909025"/>
+            <a:ext cx="2743200" cy="396872"/>
           </a:xfrm>
           <a:prstGeom prst="rect">
             <a:avLst/>
@@ -1073,7 +1073,7 @@
     <p:bg>
       <p:bgPr>
         <a:solidFill>
-          <a:schemeClr val="bg1"/>
+          <a:schemeClr val="tx1"/>
         </a:solidFill>
         <a:effectLst/>
       </p:bgPr>
@@ -1117,7 +1117,7 @@
         </p:nvSpPr>
         <p:spPr>
           <a:xfrm>
-            <a:off x="0" y="0"/>
+            <a:off x="3" y="1439863"/>
             <a:ext cx="43919775" cy="33120012"/>
           </a:xfrm>
           <a:prstGeom prst="rect">
@@ -1177,7 +1177,7 @@
         </p:blipFill>
         <p:spPr>
           <a:xfrm>
-            <a:off x="-19" y="4"/>
+            <a:off x="1" y="4"/>
             <a:ext cx="43919794" cy="33120029"/>
           </a:xfrm>
           <a:prstGeom prst="rect">
@@ -1220,7 +1220,7 @@
         </p:nvSpPr>
         <p:spPr>
           <a:xfrm rot="16200000">
-            <a:off x="10870948" y="71171"/>
+            <a:off x="10870948" y="1511037"/>
             <a:ext cx="22177900" cy="43919779"/>
           </a:xfrm>
           <a:prstGeom prst="rect">
@@ -1302,7 +1302,7 @@
         </p:nvSpPr>
         <p:spPr>
           <a:xfrm>
-            <a:off x="1" y="1"/>
+            <a:off x="21" y="0"/>
             <a:ext cx="43919754" cy="4743450"/>
           </a:xfrm>
           <a:solidFill>
@@ -1396,8 +1396,8 @@
         </p:nvSpPr>
         <p:spPr bwMode="auto">
           <a:xfrm>
-            <a:off x="797913" y="5547169"/>
-            <a:ext cx="9861550" cy="540000"/>
+            <a:off x="797933" y="5547171"/>
+            <a:ext cx="9861550" cy="492249"/>
           </a:xfrm>
           <a:prstGeom prst="rect">
             <a:avLst/>
@@ -1451,7 +1451,7 @@
         </p:nvSpPr>
         <p:spPr bwMode="auto">
           <a:xfrm>
-            <a:off x="797913" y="6113909"/>
+            <a:off x="797933" y="6113908"/>
             <a:ext cx="9861550" cy="14003834"/>
           </a:xfrm>
           <a:prstGeom prst="rect">
@@ -1697,8 +1697,8 @@
         </p:nvSpPr>
         <p:spPr bwMode="auto">
           <a:xfrm>
-            <a:off x="32904915" y="5547169"/>
-            <a:ext cx="9861550" cy="540000"/>
+            <a:off x="32904935" y="5547171"/>
+            <a:ext cx="9861550" cy="492249"/>
           </a:xfrm>
           <a:prstGeom prst="rect">
             <a:avLst/>
@@ -1760,7 +1760,7 @@
         </p:nvSpPr>
         <p:spPr bwMode="auto">
           <a:xfrm>
-            <a:off x="32904915" y="6113909"/>
+            <a:off x="32904935" y="6113911"/>
             <a:ext cx="9861550" cy="13811473"/>
           </a:xfrm>
           <a:prstGeom prst="rect">
@@ -1983,8 +1983,8 @@
         </p:nvSpPr>
         <p:spPr bwMode="auto">
           <a:xfrm>
-            <a:off x="22202581" y="5547169"/>
-            <a:ext cx="9861550" cy="540000"/>
+            <a:off x="22202601" y="5547171"/>
+            <a:ext cx="9861550" cy="492249"/>
           </a:xfrm>
           <a:prstGeom prst="rect">
             <a:avLst/>
@@ -2038,7 +2038,7 @@
         </p:nvSpPr>
         <p:spPr bwMode="auto">
           <a:xfrm>
-            <a:off x="22202581" y="6113909"/>
+            <a:off x="22202601" y="6113908"/>
             <a:ext cx="9861550" cy="12264896"/>
           </a:xfrm>
           <a:prstGeom prst="rect">
@@ -2269,8 +2269,8 @@
         </p:nvSpPr>
         <p:spPr bwMode="auto">
           <a:xfrm>
-            <a:off x="797900" y="20115800"/>
-            <a:ext cx="9861550" cy="540000"/>
+            <a:off x="797920" y="20115802"/>
+            <a:ext cx="9861550" cy="492249"/>
           </a:xfrm>
           <a:prstGeom prst="rect">
             <a:avLst/>
@@ -2324,7 +2324,7 @@
         </p:nvSpPr>
         <p:spPr bwMode="auto">
           <a:xfrm>
-            <a:off x="797900" y="20682539"/>
+            <a:off x="797920" y="20682538"/>
             <a:ext cx="9861550" cy="11448000"/>
           </a:xfrm>
           <a:prstGeom prst="rect">
@@ -2526,8 +2526,8 @@
         </p:nvSpPr>
         <p:spPr bwMode="auto">
           <a:xfrm>
-            <a:off x="11500247" y="5547169"/>
-            <a:ext cx="9861550" cy="540000"/>
+            <a:off x="11500267" y="5547171"/>
+            <a:ext cx="9861550" cy="492249"/>
           </a:xfrm>
           <a:prstGeom prst="rect">
             <a:avLst/>
@@ -2581,7 +2581,7 @@
         </p:nvSpPr>
         <p:spPr bwMode="auto">
           <a:xfrm>
-            <a:off x="11500247" y="6113909"/>
+            <a:off x="11500267" y="6113911"/>
             <a:ext cx="9861550" cy="12880449"/>
           </a:xfrm>
           <a:prstGeom prst="rect">
@@ -2860,8 +2860,8 @@
         </p:nvSpPr>
         <p:spPr bwMode="auto">
           <a:xfrm>
-            <a:off x="32904915" y="19641854"/>
-            <a:ext cx="9861550" cy="540000"/>
+            <a:off x="32904935" y="19641856"/>
+            <a:ext cx="9861550" cy="492249"/>
           </a:xfrm>
           <a:prstGeom prst="rect">
             <a:avLst/>
@@ -2923,7 +2923,7 @@
         </p:nvSpPr>
         <p:spPr bwMode="auto">
           <a:xfrm>
-            <a:off x="32904915" y="20159273"/>
+            <a:off x="32904935" y="20159275"/>
             <a:ext cx="9861550" cy="12095619"/>
           </a:xfrm>
           <a:prstGeom prst="rect">
@@ -3151,8 +3151,8 @@
         </p:nvSpPr>
         <p:spPr bwMode="auto">
           <a:xfrm>
-            <a:off x="22202581" y="17768958"/>
-            <a:ext cx="9861550" cy="540000"/>
+            <a:off x="22202601" y="17768960"/>
+            <a:ext cx="9861550" cy="492249"/>
           </a:xfrm>
           <a:prstGeom prst="rect">
             <a:avLst/>
@@ -3206,7 +3206,7 @@
         </p:nvSpPr>
         <p:spPr bwMode="auto">
           <a:xfrm>
-            <a:off x="22202581" y="18335697"/>
+            <a:off x="22202601" y="18335696"/>
             <a:ext cx="9861550" cy="13826862"/>
           </a:xfrm>
           <a:prstGeom prst="rect">
@@ -3443,8 +3443,8 @@
         </p:nvSpPr>
         <p:spPr bwMode="auto">
           <a:xfrm>
-            <a:off x="11500247" y="18773297"/>
-            <a:ext cx="9861550" cy="540000"/>
+            <a:off x="11500267" y="18773299"/>
+            <a:ext cx="9861550" cy="492249"/>
           </a:xfrm>
           <a:prstGeom prst="rect">
             <a:avLst/>
@@ -3495,7 +3495,7 @@
         </p:nvSpPr>
         <p:spPr bwMode="auto">
           <a:xfrm>
-            <a:off x="11500247" y="19340037"/>
+            <a:off x="11500267" y="19340039"/>
             <a:ext cx="9861550" cy="12880449"/>
           </a:xfrm>
           <a:prstGeom prst="rect">
@@ -3788,7 +3788,7 @@
         </p:blipFill>
         <p:spPr>
           <a:xfrm>
-            <a:off x="33510756" y="14125747"/>
+            <a:off x="33510776" y="14125746"/>
             <a:ext cx="8649868" cy="4866992"/>
           </a:xfrm>
           <a:prstGeom prst="rect">
@@ -3836,7 +3836,7 @@
         </p:blipFill>
         <p:spPr>
           <a:xfrm>
-            <a:off x="34123087" y="26453350"/>
+            <a:off x="34123110" y="26453352"/>
             <a:ext cx="7563883" cy="5042589"/>
           </a:xfrm>
           <a:prstGeom prst="rect">
@@ -3882,7 +3882,7 @@
         </p:blipFill>
         <p:spPr>
           <a:xfrm>
-            <a:off x="23391463" y="12996815"/>
+            <a:off x="23391483" y="12996814"/>
             <a:ext cx="7315200" cy="4114800"/>
           </a:xfrm>
           <a:prstGeom prst="rect">
@@ -3928,7 +3928,7 @@
         </p:blipFill>
         <p:spPr>
           <a:xfrm>
-            <a:off x="23229024" y="26290163"/>
+            <a:off x="23229044" y="26290162"/>
             <a:ext cx="7808664" cy="5205776"/>
           </a:xfrm>
           <a:prstGeom prst="rect">
@@ -3974,7 +3974,7 @@
         </p:blipFill>
         <p:spPr>
           <a:xfrm>
-            <a:off x="1543068" y="13532417"/>
+            <a:off x="1543088" y="13532416"/>
             <a:ext cx="8371214" cy="6055178"/>
           </a:xfrm>
           <a:prstGeom prst="rect">
@@ -4020,7 +4020,7 @@
         </p:blipFill>
         <p:spPr>
           <a:xfrm>
-            <a:off x="1511347" y="27953316"/>
+            <a:off x="1511367" y="27953318"/>
             <a:ext cx="8401478" cy="3542623"/>
           </a:xfrm>
           <a:prstGeom prst="rect">
@@ -4065,7 +4065,7 @@
         </p:blipFill>
         <p:spPr>
           <a:xfrm>
-            <a:off x="12958566" y="11578001"/>
+            <a:off x="12958586" y="11578000"/>
             <a:ext cx="6882000" cy="6559406"/>
           </a:xfrm>
           <a:prstGeom prst="rect">
@@ -4083,51 +4083,259 @@
           </a:effectLst>
         </p:spPr>
       </p:pic>
-      <p:pic>
-        <p:nvPicPr>
-          <p:cNvPr id="61" name="Picture 60">
+      <p:grpSp>
+        <p:nvGrpSpPr>
+          <p:cNvPr id="69" name="Group 68">
             <a:extLst>
               <a:ext uri="{FF2B5EF4-FFF2-40B4-BE49-F238E27FC236}">
-                <a16:creationId xmlns:a16="http://schemas.microsoft.com/office/drawing/2014/main" id="{6D4A9A46-BD27-489D-B879-D30A747F547B}"/>
+                <a16:creationId xmlns:a16="http://schemas.microsoft.com/office/drawing/2014/main" id="{7E6C8E83-7A6F-4219-B438-9F242FEDFB99}"/>
               </a:ext>
             </a:extLst>
           </p:cNvPr>
-          <p:cNvPicPr>
-            <a:picLocks noChangeAspect="1"/>
-          </p:cNvPicPr>
+          <p:cNvGrpSpPr/>
           <p:nvPr/>
-        </p:nvPicPr>
-        <p:blipFill rotWithShape="1">
-          <a:blip r:embed="rId10">
-            <a:extLst>
-              <a:ext uri="{28A0092B-C50C-407E-A947-70E740481C1C}">
-                <a14:useLocalDpi xmlns:a14="http://schemas.microsoft.com/office/drawing/2010/main" val="0"/>
-              </a:ext>
-            </a:extLst>
-          </a:blip>
-          <a:srcRect l="6128" r="6558" b="13113"/>
-          <a:stretch/>
-        </p:blipFill>
+        </p:nvGrpSpPr>
+        <p:grpSpPr>
+          <a:xfrm>
+            <a:off x="13198156" y="23045187"/>
+            <a:ext cx="6402860" cy="8760647"/>
+            <a:chOff x="13198136" y="23045185"/>
+            <a:chExt cx="6402860" cy="8760647"/>
+          </a:xfrm>
+        </p:grpSpPr>
+        <p:pic>
+          <p:nvPicPr>
+            <p:cNvPr id="61" name="Picture 60">
+              <a:extLst>
+                <a:ext uri="{FF2B5EF4-FFF2-40B4-BE49-F238E27FC236}">
+                  <a16:creationId xmlns:a16="http://schemas.microsoft.com/office/drawing/2014/main" id="{6D4A9A46-BD27-489D-B879-D30A747F547B}"/>
+                </a:ext>
+              </a:extLst>
+            </p:cNvPr>
+            <p:cNvPicPr>
+              <a:picLocks noChangeAspect="1"/>
+            </p:cNvPicPr>
+            <p:nvPr/>
+          </p:nvPicPr>
+          <p:blipFill rotWithShape="1">
+            <a:blip r:embed="rId10">
+              <a:extLst>
+                <a:ext uri="{28A0092B-C50C-407E-A947-70E740481C1C}">
+                  <a14:useLocalDpi xmlns:a14="http://schemas.microsoft.com/office/drawing/2010/main" val="0"/>
+                </a:ext>
+              </a:extLst>
+            </a:blip>
+            <a:srcRect l="15873" t="-4454" r="14438" b="4949"/>
+            <a:stretch/>
+          </p:blipFill>
+          <p:spPr>
+            <a:xfrm>
+              <a:off x="13198136" y="27006104"/>
+              <a:ext cx="6402860" cy="4799728"/>
+            </a:xfrm>
+            <a:prstGeom prst="rect">
+              <a:avLst/>
+            </a:prstGeom>
+            <a:ln>
+              <a:noFill/>
+            </a:ln>
+            <a:effectLst>
+              <a:outerShdw blurRad="190500" algn="tl" rotWithShape="0">
+                <a:srgbClr val="000000">
+                  <a:alpha val="70000"/>
+                </a:srgbClr>
+              </a:outerShdw>
+            </a:effectLst>
+          </p:spPr>
+        </p:pic>
+        <p:pic>
+          <p:nvPicPr>
+            <p:cNvPr id="68" name="Picture 67" descr="A person sitting on a bed&#10;&#10;Description automatically generated">
+              <a:extLst>
+                <a:ext uri="{FF2B5EF4-FFF2-40B4-BE49-F238E27FC236}">
+                  <a16:creationId xmlns:a16="http://schemas.microsoft.com/office/drawing/2014/main" id="{E18945D2-E8F3-4083-942F-D585BDE60F21}"/>
+                </a:ext>
+              </a:extLst>
+            </p:cNvPr>
+            <p:cNvPicPr>
+              <a:picLocks noChangeAspect="1"/>
+            </p:cNvPicPr>
+            <p:nvPr/>
+          </p:nvPicPr>
+          <p:blipFill>
+            <a:blip r:embed="rId11">
+              <a:extLst>
+                <a:ext uri="{28A0092B-C50C-407E-A947-70E740481C1C}">
+                  <a14:useLocalDpi xmlns:a14="http://schemas.microsoft.com/office/drawing/2010/main" val="0"/>
+                </a:ext>
+              </a:extLst>
+            </a:blip>
+            <a:stretch>
+              <a:fillRect/>
+            </a:stretch>
+          </p:blipFill>
+          <p:spPr>
+            <a:xfrm>
+              <a:off x="14358341" y="23045185"/>
+              <a:ext cx="4082450" cy="3858138"/>
+            </a:xfrm>
+            <a:prstGeom prst="rect">
+              <a:avLst/>
+            </a:prstGeom>
+            <a:ln>
+              <a:noFill/>
+            </a:ln>
+            <a:effectLst>
+              <a:outerShdw blurRad="190500" algn="tl" rotWithShape="0">
+                <a:srgbClr val="000000">
+                  <a:alpha val="70000"/>
+                </a:srgbClr>
+              </a:outerShdw>
+            </a:effectLst>
+          </p:spPr>
+        </p:pic>
+      </p:grpSp>
+      <p:sp>
+        <p:nvSpPr>
+          <p:cNvPr id="70" name="Title 1">
+            <a:extLst>
+              <a:ext uri="{FF2B5EF4-FFF2-40B4-BE49-F238E27FC236}">
+                <a16:creationId xmlns:a16="http://schemas.microsoft.com/office/drawing/2014/main" id="{B0080295-9FF9-47F6-8B08-A8C4F69AEAA0}"/>
+              </a:ext>
+            </a:extLst>
+          </p:cNvPr>
+          <p:cNvSpPr txBox="1">
+            <a:spLocks/>
+          </p:cNvSpPr>
+          <p:nvPr/>
+        </p:nvSpPr>
         <p:spPr>
           <a:xfrm>
-            <a:off x="12388457" y="27304862"/>
-            <a:ext cx="8022218" cy="4191078"/>
+            <a:off x="0" y="33120032"/>
+            <a:ext cx="43919738" cy="2899933"/>
           </a:xfrm>
           <a:prstGeom prst="rect">
             <a:avLst/>
           </a:prstGeom>
+          <a:solidFill>
+            <a:srgbClr val="FFFFFF"/>
+          </a:solidFill>
           <a:ln>
-            <a:noFill/>
+            <a:solidFill>
+              <a:schemeClr val="tx1"/>
+            </a:solidFill>
           </a:ln>
-          <a:effectLst>
-            <a:outerShdw blurRad="190500" algn="tl" rotWithShape="0">
-              <a:srgbClr val="000000">
-                <a:alpha val="70000"/>
-              </a:srgbClr>
-            </a:outerShdw>
-          </a:effectLst>
         </p:spPr>
-      </p:pic>
+        <p:txBody>
+          <a:bodyPr vert="horz" lIns="91440" tIns="45720" rIns="91440" bIns="45720" rtlCol="0" anchor="t">
+            <a:noAutofit/>
+          </a:bodyPr>
+          <a:lstStyle>
+            <a:lvl1pPr algn="l" defTabSz="914400" rtl="0" eaLnBrk="1" latinLnBrk="0" hangingPunct="1">
+              <a:lnSpc>
+                <a:spcPct val="90000"/>
+              </a:lnSpc>
+              <a:spcBef>
+                <a:spcPct val="0"/>
+              </a:spcBef>
+              <a:buNone/>
+              <a:defRPr sz="8000" kern="1200">
+                <a:solidFill>
+                  <a:schemeClr val="tx1"/>
+                </a:solidFill>
+                <a:latin typeface="+mj-lt"/>
+                <a:ea typeface="+mj-ea"/>
+                <a:cs typeface="+mj-cs"/>
+              </a:defRPr>
+            </a:lvl1pPr>
+          </a:lstStyle>
+          <a:p>
+            <a:pPr marL="742950" indent="-742950">
+              <a:lnSpc>
+                <a:spcPct val="100000"/>
+              </a:lnSpc>
+              <a:buFont typeface="+mj-lt"/>
+              <a:buAutoNum type="arabicPeriod"/>
+            </a:pPr>
+            <a:r>
+              <a:rPr lang="en-IE" sz="1800" dirty="0">
+                <a:latin typeface="Arimo" panose="020B0604020202020204" pitchFamily="34" charset="0"/>
+                <a:ea typeface="Arimo" panose="020B0604020202020204" pitchFamily="34" charset="0"/>
+                <a:cs typeface="Arimo" panose="020B0604020202020204" pitchFamily="34" charset="0"/>
+              </a:rPr>
+              <a:t>"A Brief History of Cryptography", Inquiries Journal, Vol. 1(11) - Damico, T. (2009) </a:t>
+            </a:r>
+          </a:p>
+          <a:p>
+            <a:pPr marL="742950" indent="-742950">
+              <a:lnSpc>
+                <a:spcPct val="100000"/>
+              </a:lnSpc>
+              <a:buFont typeface="+mj-lt"/>
+              <a:buAutoNum type="arabicPeriod"/>
+            </a:pPr>
+            <a:r>
+              <a:rPr lang="en-IE" sz="1800" dirty="0">
+                <a:latin typeface="Arimo" panose="020B0604020202020204" pitchFamily="34" charset="0"/>
+                <a:ea typeface="Arimo" panose="020B0604020202020204" pitchFamily="34" charset="0"/>
+                <a:cs typeface="Arimo" panose="020B0604020202020204" pitchFamily="34" charset="0"/>
+              </a:rPr>
+              <a:t>“Origin of Cryptography” - Tutorialspoint (2020)</a:t>
+            </a:r>
+          </a:p>
+          <a:p>
+            <a:pPr marL="742950" indent="-742950">
+              <a:lnSpc>
+                <a:spcPct val="100000"/>
+              </a:lnSpc>
+              <a:buFont typeface="+mj-lt"/>
+              <a:buAutoNum type="arabicPeriod"/>
+            </a:pPr>
+            <a:r>
+              <a:rPr lang="en-IE" sz="1800" dirty="0">
+                <a:latin typeface="Arimo" panose="020B0604020202020204" pitchFamily="34" charset="0"/>
+                <a:ea typeface="Arimo" panose="020B0604020202020204" pitchFamily="34" charset="0"/>
+                <a:cs typeface="Arimo" panose="020B0604020202020204" pitchFamily="34" charset="0"/>
+              </a:rPr>
+              <a:t>“Security of Password Hashing in Cloud” - Kamal, P. (2019) </a:t>
+            </a:r>
+          </a:p>
+          <a:p>
+            <a:pPr marL="742950" indent="-742950">
+              <a:lnSpc>
+                <a:spcPct val="100000"/>
+              </a:lnSpc>
+              <a:buFont typeface="+mj-lt"/>
+              <a:buAutoNum type="arabicPeriod"/>
+            </a:pPr>
+            <a:r>
+              <a:rPr lang="en-IE" sz="1800" dirty="0">
+                <a:latin typeface="Arimo" panose="020B0604020202020204" pitchFamily="34" charset="0"/>
+                <a:ea typeface="Arimo" panose="020B0604020202020204" pitchFamily="34" charset="0"/>
+                <a:cs typeface="Arimo" panose="020B0604020202020204" pitchFamily="34" charset="0"/>
+              </a:rPr>
+              <a:t>“End-to-End Encryption in Messaging Services and National Security—Case of WhatsApp Messenger.” - Endelay, R.E (2018) </a:t>
+            </a:r>
+          </a:p>
+          <a:p>
+            <a:pPr marL="742950" indent="-742950">
+              <a:lnSpc>
+                <a:spcPct val="100000"/>
+              </a:lnSpc>
+              <a:buFont typeface="+mj-lt"/>
+              <a:buAutoNum type="arabicPeriod"/>
+            </a:pPr>
+            <a:r>
+              <a:rPr lang="en-IE" sz="1800" dirty="0">
+                <a:latin typeface="Arimo" panose="020B0604020202020204" pitchFamily="34" charset="0"/>
+                <a:ea typeface="Arimo" panose="020B0604020202020204" pitchFamily="34" charset="0"/>
+                <a:cs typeface="Arimo" panose="020B0604020202020204" pitchFamily="34" charset="0"/>
+              </a:rPr>
+              <a:t>“The Study of the Application of Data Encryption Techniques in Cloud Storage to Ensure Stored Data Integrity and Availability” - Stephen, O. (2014) </a:t>
+            </a:r>
+          </a:p>
+        </p:txBody>
+      </p:sp>
     </p:spTree>
     <p:extLst>
       <p:ext uri="{BB962C8B-B14F-4D97-AF65-F5344CB8AC3E}">
